--- a/교육자료/02. SW 설계 도구편/01. StarUML/01. StarUML이란 무엇인가.pptx
+++ b/교육자료/02. SW 설계 도구편/01. StarUML/01. StarUML이란 무엇인가.pptx
@@ -2997,8 +2997,8 @@
         </p:nvSpPr>
         <p:spPr>
           <a:xfrm>
-            <a:off x="1970576" y="3075057"/>
-            <a:ext cx="8250848" cy="707886"/>
+            <a:off x="3275423" y="4046097"/>
+            <a:ext cx="5641160" cy="707886"/>
           </a:xfrm>
           <a:prstGeom prst="rect">
             <a:avLst/>
@@ -3026,7 +3026,7 @@
                   <a:schemeClr val="bg1"/>
                 </a:solidFill>
               </a:rPr>
-              <a:t>을 이용한 </a:t>
+              <a:t>이란 무엇인가</a:t>
             </a:r>
             <a:r>
               <a:rPr lang="en-US" altLang="ko-KR" sz="4000" dirty="0" smtClean="0">
@@ -3034,15 +3034,7 @@
                   <a:schemeClr val="bg1"/>
                 </a:solidFill>
               </a:rPr>
-              <a:t>Diagram </a:t>
-            </a:r>
-            <a:r>
-              <a:rPr lang="ko-KR" altLang="en-US" sz="4000" dirty="0" smtClean="0">
-                <a:solidFill>
-                  <a:schemeClr val="bg1"/>
-                </a:solidFill>
-              </a:rPr>
-              <a:t>그리기</a:t>
+              <a:t>?</a:t>
             </a:r>
             <a:endParaRPr lang="ko-KR" altLang="en-US" sz="4000" dirty="0">
               <a:solidFill>
@@ -3052,6 +3044,36 @@
           </a:p>
         </p:txBody>
       </p:sp>
+      <p:pic>
+        <p:nvPicPr>
+          <p:cNvPr id="3" name="그림 2"/>
+          <p:cNvPicPr>
+            <a:picLocks noChangeAspect="1"/>
+          </p:cNvPicPr>
+          <p:nvPr/>
+        </p:nvPicPr>
+        <p:blipFill>
+          <a:blip r:embed="rId2" cstate="print">
+            <a:extLst>
+              <a:ext uri="{28A0092B-C50C-407E-A947-70E740481C1C}">
+                <a14:useLocalDpi xmlns:a14="http://schemas.microsoft.com/office/drawing/2010/main" val="0"/>
+              </a:ext>
+            </a:extLst>
+          </a:blip>
+          <a:stretch>
+            <a:fillRect/>
+          </a:stretch>
+        </p:blipFill>
+        <p:spPr>
+          <a:xfrm>
+            <a:off x="5469232" y="2023365"/>
+            <a:ext cx="1253542" cy="1253542"/>
+          </a:xfrm>
+          <a:prstGeom prst="rect">
+            <a:avLst/>
+          </a:prstGeom>
+        </p:spPr>
+      </p:pic>
     </p:spTree>
     <p:extLst>
       <p:ext uri="{BB962C8B-B14F-4D97-AF65-F5344CB8AC3E}">
